--- a/O3652-8 App Lifecycle Management/O3652-8 App Lifecycle Management.pptx
+++ b/O3652-8 App Lifecycle Management/O3652-8 App Lifecycle Management.pptx
@@ -340,7 +340,7 @@
           <a:p>
             <a:fld id="{DE219B1A-AE41-483B-A766-69B9363DDA6A}" type="datetimeFigureOut">
               <a:rPr lang="en-US" smtClean="0"/>
-              <a:t>8/28/2014</a:t>
+              <a:t>9/8/2014</a:t>
             </a:fld>
             <a:endParaRPr lang="en-US"/>
           </a:p>
@@ -622,7 +622,7 @@
           <a:p>
             <a:fld id="{D51B1278-D92B-4AF3-A9C1-71DD298190CE}" type="datetimeFigureOut">
               <a:rPr lang="en-US" smtClean="0"/>
-              <a:t>8/28/2014</a:t>
+              <a:t>9/8/2014</a:t>
             </a:fld>
             <a:endParaRPr lang="en-US"/>
           </a:p>
@@ -1334,7 +1334,7 @@
                 </a:solidFill>
               </a:rPr>
               <a:pPr defTabSz="914400"/>
-              <a:t>8/28/2014</a:t>
+              <a:t>9/8/2014</a:t>
             </a:fld>
             <a:endParaRPr lang="en-US" dirty="0">
               <a:solidFill>
@@ -1462,7 +1462,7 @@
           <a:p>
             <a:fld id="{D849266A-8C33-4069-B555-EF167185ABEC}" type="datetime1">
               <a:rPr lang="en-US" smtClean="0"/>
-              <a:t>8/28/2014</a:t>
+              <a:t>9/8/2014</a:t>
             </a:fld>
             <a:endParaRPr lang="en-US"/>
           </a:p>
@@ -1649,23 +1649,28 @@
           <a:p>
             <a:r>
               <a:rPr lang="en-US" dirty="0" smtClean="0"/>
-              <a:t>Each developer gets their own site so as not to interfere with others</a:t>
-            </a:r>
-          </a:p>
-          <a:p>
+              <a:t>Each developer gets their own site so as not to interfere with </a:t>
+            </a:r>
             <a:r>
               <a:rPr lang="en-US" dirty="0" smtClean="0"/>
-              <a:t>Using</a:t>
+              <a:t>others</a:t>
+            </a:r>
+          </a:p>
+          <a:p>
+            <a:r>
+              <a:rPr lang="en-US" dirty="0" smtClean="0"/>
+              <a:t>Test is a separate tenant to support integration and cross-site collection capabilities</a:t>
+            </a:r>
+            <a:endParaRPr lang="en-US" dirty="0" smtClean="0"/>
+          </a:p>
+          <a:p>
+            <a:r>
+              <a:rPr lang="en-US" baseline="0" smtClean="0"/>
+              <a:t>Using </a:t>
             </a:r>
             <a:r>
               <a:rPr lang="en-US" baseline="0" dirty="0" smtClean="0"/>
-              <a:t> the same tenant ensures that you have the same feature set as production</a:t>
-            </a:r>
-          </a:p>
-          <a:p>
-            <a:r>
-              <a:rPr lang="en-US" baseline="0" dirty="0" smtClean="0"/>
-              <a:t>Using Continuous Integration ensures all changes are available following a check in</a:t>
+              <a:t>Continuous Integration ensures all changes are available following a check in</a:t>
             </a:r>
           </a:p>
           <a:p>
@@ -1758,7 +1763,7 @@
                 </a:solidFill>
               </a:rPr>
               <a:pPr/>
-              <a:t>8/28/2014</a:t>
+              <a:t>9/8/2014</a:t>
             </a:fld>
             <a:endParaRPr lang="en-US" dirty="0">
               <a:solidFill>
@@ -2137,7 +2142,7 @@
                 </a:solidFill>
               </a:rPr>
               <a:pPr/>
-              <a:t>8/28/2014</a:t>
+              <a:t>9/8/2014</a:t>
             </a:fld>
             <a:endParaRPr lang="en-US" dirty="0">
               <a:solidFill>
@@ -2330,7 +2335,7 @@
                 </a:solidFill>
               </a:rPr>
               <a:pPr/>
-              <a:t>8/28/2014</a:t>
+              <a:t>9/8/2014</a:t>
             </a:fld>
             <a:endParaRPr lang="en-US" dirty="0">
               <a:solidFill>
@@ -2536,7 +2541,7 @@
                 </a:solidFill>
               </a:rPr>
               <a:pPr/>
-              <a:t>8/28/2014</a:t>
+              <a:t>9/8/2014</a:t>
             </a:fld>
             <a:endParaRPr lang="en-US" dirty="0">
               <a:solidFill>
@@ -2710,7 +2715,7 @@
           <a:p>
             <a:fld id="{B079C3B8-7366-4A44-A34B-3977080C19E7}" type="datetime1">
               <a:rPr lang="en-US" smtClean="0"/>
-              <a:t>8/28/2014</a:t>
+              <a:t>9/8/2014</a:t>
             </a:fld>
             <a:endParaRPr lang="en-US" dirty="0"/>
           </a:p>
@@ -2952,7 +2957,7 @@
           <a:p>
             <a:fld id="{0BB6559B-C68D-49B4-97AE-9BB74C417927}" type="datetime1">
               <a:rPr lang="en-US" smtClean="0"/>
-              <a:t>8/28/2014</a:t>
+              <a:t>9/8/2014</a:t>
             </a:fld>
             <a:endParaRPr lang="en-US"/>
           </a:p>
@@ -3113,7 +3118,7 @@
           <a:p>
             <a:fld id="{B079C3B8-7366-4A44-A34B-3977080C19E7}" type="datetime1">
               <a:rPr lang="en-US" smtClean="0"/>
-              <a:t>8/28/2014</a:t>
+              <a:t>9/8/2014</a:t>
             </a:fld>
             <a:endParaRPr lang="en-US" dirty="0"/>
           </a:p>
@@ -3495,7 +3500,7 @@
                 </a:solidFill>
               </a:rPr>
               <a:pPr defTabSz="914400"/>
-              <a:t>8/28/2014</a:t>
+              <a:t>9/8/2014</a:t>
             </a:fld>
             <a:endParaRPr lang="en-US" dirty="0">
               <a:solidFill>
@@ -3971,7 +3976,7 @@
                 </a:solidFill>
               </a:rPr>
               <a:pPr defTabSz="914400"/>
-              <a:t>8/28/2014</a:t>
+              <a:t>9/8/2014</a:t>
             </a:fld>
             <a:endParaRPr lang="en-US">
               <a:solidFill>
@@ -22659,7 +22664,7 @@
               </a:ln>
               <a:extLst>
                 <a:ext uri="{91240B29-F687-4f45-9708-019B960494DF}">
-                  <a14:hiddenLine xmlns="" xmlns:a14="http://schemas.microsoft.com/office/drawing/2010/main" w="9525">
+                  <a14:hiddenLine xmlns:a14="http://schemas.microsoft.com/office/drawing/2010/main" xmlns="" w="9525">
                     <a:solidFill>
                       <a:srgbClr val="000000"/>
                     </a:solidFill>
@@ -23042,7 +23047,7 @@
               </a:ln>
               <a:extLst>
                 <a:ext uri="{91240B29-F687-4f45-9708-019B960494DF}">
-                  <a14:hiddenLine xmlns="" xmlns:a14="http://schemas.microsoft.com/office/drawing/2010/main" w="9525">
+                  <a14:hiddenLine xmlns:a14="http://schemas.microsoft.com/office/drawing/2010/main" xmlns="" w="9525">
                     <a:solidFill>
                       <a:srgbClr val="000000"/>
                     </a:solidFill>
@@ -23111,7 +23116,7 @@
               </a:ln>
               <a:extLst>
                 <a:ext uri="{91240B29-F687-4f45-9708-019B960494DF}">
-                  <a14:hiddenLine xmlns="" xmlns:a14="http://schemas.microsoft.com/office/drawing/2010/main" w="9525">
+                  <a14:hiddenLine xmlns:a14="http://schemas.microsoft.com/office/drawing/2010/main" xmlns="" w="9525">
                     <a:solidFill>
                       <a:srgbClr val="000000"/>
                     </a:solidFill>
@@ -23494,7 +23499,7 @@
               </a:ln>
               <a:extLst>
                 <a:ext uri="{91240B29-F687-4f45-9708-019B960494DF}">
-                  <a14:hiddenLine xmlns="" xmlns:a14="http://schemas.microsoft.com/office/drawing/2010/main" w="9525">
+                  <a14:hiddenLine xmlns:a14="http://schemas.microsoft.com/office/drawing/2010/main" xmlns="" w="9525">
                     <a:solidFill>
                       <a:srgbClr val="000000"/>
                     </a:solidFill>
@@ -23563,7 +23568,7 @@
               </a:ln>
               <a:extLst>
                 <a:ext uri="{91240B29-F687-4f45-9708-019B960494DF}">
-                  <a14:hiddenLine xmlns="" xmlns:a14="http://schemas.microsoft.com/office/drawing/2010/main" w="9525">
+                  <a14:hiddenLine xmlns:a14="http://schemas.microsoft.com/office/drawing/2010/main" xmlns="" w="9525">
                     <a:solidFill>
                       <a:srgbClr val="000000"/>
                     </a:solidFill>
@@ -23946,7 +23951,7 @@
               </a:ln>
               <a:extLst>
                 <a:ext uri="{91240B29-F687-4f45-9708-019B960494DF}">
-                  <a14:hiddenLine xmlns="" xmlns:a14="http://schemas.microsoft.com/office/drawing/2010/main" w="9525">
+                  <a14:hiddenLine xmlns:a14="http://schemas.microsoft.com/office/drawing/2010/main" xmlns="" w="9525">
                     <a:solidFill>
                       <a:srgbClr val="000000"/>
                     </a:solidFill>
@@ -26566,22 +26571,30 @@
           <a:p>
             <a:r>
               <a:rPr lang="en-US" dirty="0" smtClean="0"/>
-              <a:t>Development Environment with Teams</a:t>
+              <a:t>Development </a:t>
+            </a:r>
+            <a:r>
+              <a:rPr lang="en-US" dirty="0" smtClean="0"/>
+              <a:t>Environments </a:t>
+            </a:r>
+            <a:r>
+              <a:rPr lang="en-US" dirty="0" smtClean="0"/>
+              <a:t>with Teams</a:t>
             </a:r>
           </a:p>
           <a:p>
             <a:pPr lvl="1"/>
             <a:r>
               <a:rPr lang="en-US" dirty="0" smtClean="0"/>
-              <a:t>Each developer gets O365 </a:t>
+              <a:t>DEV - Each </a:t>
             </a:r>
             <a:r>
               <a:rPr lang="en-US" dirty="0" smtClean="0"/>
-              <a:t>development </a:t>
+              <a:t>developer gets O365 development </a:t>
             </a:r>
             <a:r>
               <a:rPr lang="en-US" dirty="0" smtClean="0"/>
-              <a:t>sites</a:t>
+              <a:t>sites in isolated tenant</a:t>
             </a:r>
             <a:endParaRPr lang="en-US" dirty="0" smtClean="0"/>
           </a:p>
@@ -26589,21 +26602,18 @@
             <a:pPr lvl="1"/>
             <a:r>
               <a:rPr lang="en-US" dirty="0" smtClean="0"/>
-              <a:t>Develop in the same tenant as production</a:t>
-            </a:r>
-          </a:p>
-          <a:p>
-            <a:pPr lvl="1"/>
+              <a:t>TEST – isolated tenant for integration testing</a:t>
+            </a:r>
+            <a:endParaRPr lang="en-US" dirty="0" smtClean="0"/>
+          </a:p>
+          <a:p>
             <a:r>
               <a:rPr lang="en-US" dirty="0" smtClean="0"/>
-              <a:t>Visual Studio 2013</a:t>
-            </a:r>
-            <a:endParaRPr lang="en-US" dirty="0" smtClean="0"/>
-          </a:p>
-          <a:p>
+              <a:t>Build </a:t>
+            </a:r>
             <a:r>
               <a:rPr lang="en-US" dirty="0" smtClean="0"/>
-              <a:t>Build Processes</a:t>
+              <a:t>Processes</a:t>
             </a:r>
           </a:p>
           <a:p>
@@ -26612,7 +26622,6 @@
               <a:rPr lang="en-US" dirty="0" smtClean="0"/>
               <a:t>Utilize Continuous Integration: automatically build on check in</a:t>
             </a:r>
-            <a:endParaRPr lang="en-US" dirty="0" smtClean="0"/>
           </a:p>
           <a:p>
             <a:pPr lvl="1"/>
@@ -26620,21 +26629,12 @@
               <a:rPr lang="en-US" dirty="0" smtClean="0"/>
               <a:t>Azure supports automatic deployment from TFS</a:t>
             </a:r>
-            <a:endParaRPr lang="en-US" dirty="0" smtClean="0"/>
           </a:p>
           <a:p>
             <a:pPr lvl="1"/>
             <a:r>
               <a:rPr lang="en-US" dirty="0" smtClean="0"/>
-              <a:t>Coded UI Build Verification Tests (BVTs) </a:t>
-            </a:r>
-            <a:r>
-              <a:rPr lang="en-US" dirty="0" smtClean="0"/>
-              <a:t>validate </a:t>
-            </a:r>
-            <a:r>
-              <a:rPr lang="en-US" dirty="0" smtClean="0"/>
-              <a:t>the build</a:t>
+              <a:t>Coded UI Build Verification Tests (BVTs) validate the build</a:t>
             </a:r>
           </a:p>
         </p:txBody>
@@ -26890,11 +26890,6 @@
               </a:rPr>
               <a:t>SharePoint Hosted App</a:t>
             </a:r>
-            <a:endParaRPr lang="en-US" sz="2400" spc="-70" dirty="0" smtClean="0">
-              <a:solidFill>
-                <a:schemeClr val="accent1"/>
-              </a:solidFill>
-            </a:endParaRPr>
           </a:p>
         </p:txBody>
       </p:sp>
@@ -27457,11 +27452,6 @@
               </a:rPr>
               <a:t>Provider-Hosted App</a:t>
             </a:r>
-            <a:endParaRPr lang="en-US" sz="2400" spc="-70" dirty="0" smtClean="0">
-              <a:solidFill>
-                <a:schemeClr val="accent1"/>
-              </a:solidFill>
-            </a:endParaRPr>
           </a:p>
         </p:txBody>
       </p:sp>
@@ -27984,7 +27974,7 @@
                 <a:gridCol w="11225057">
                   <a:extLst>
                     <a:ext uri="{9D8B030D-6E8A-4147-A177-3AD203B41FA5}">
-                      <a16:colId xmlns:a16="http://schemas.microsoft.com/office/drawing/2014/main" xmlns="" val="1253488153"/>
+                      <a16:colId xmlns="" xmlns:a16="http://schemas.microsoft.com/office/drawing/2014/main" val="1253488153"/>
                     </a:ext>
                   </a:extLst>
                 </a:gridCol>
@@ -28014,7 +28004,7 @@
                 </a:tc>
                 <a:extLst>
                   <a:ext uri="{0D108BD9-81ED-4DB2-BD59-A6C34878D82A}">
-                    <a16:rowId xmlns:a16="http://schemas.microsoft.com/office/drawing/2014/main" xmlns="" val="829859176"/>
+                    <a16:rowId xmlns="" xmlns:a16="http://schemas.microsoft.com/office/drawing/2014/main" val="829859176"/>
                   </a:ext>
                 </a:extLst>
               </a:tr>
@@ -28035,7 +28025,7 @@
                 </a:tc>
                 <a:extLst>
                   <a:ext uri="{0D108BD9-81ED-4DB2-BD59-A6C34878D82A}">
-                    <a16:rowId xmlns:a16="http://schemas.microsoft.com/office/drawing/2014/main" xmlns="" val="1946132611"/>
+                    <a16:rowId xmlns="" xmlns:a16="http://schemas.microsoft.com/office/drawing/2014/main" val="1946132611"/>
                   </a:ext>
                 </a:extLst>
               </a:tr>
@@ -28072,7 +28062,7 @@
                 </a:tc>
                 <a:extLst>
                   <a:ext uri="{0D108BD9-81ED-4DB2-BD59-A6C34878D82A}">
-                    <a16:rowId xmlns:a16="http://schemas.microsoft.com/office/drawing/2014/main" xmlns="" val="3204002662"/>
+                    <a16:rowId xmlns="" xmlns:a16="http://schemas.microsoft.com/office/drawing/2014/main" val="3204002662"/>
                   </a:ext>
                 </a:extLst>
               </a:tr>
@@ -28113,7 +28103,7 @@
                 </a:tc>
                 <a:extLst>
                   <a:ext uri="{0D108BD9-81ED-4DB2-BD59-A6C34878D82A}">
-                    <a16:rowId xmlns:a16="http://schemas.microsoft.com/office/drawing/2014/main" xmlns="" val="4266278162"/>
+                    <a16:rowId xmlns="" xmlns:a16="http://schemas.microsoft.com/office/drawing/2014/main" val="4266278162"/>
                   </a:ext>
                 </a:extLst>
               </a:tr>
@@ -28487,7 +28477,6 @@
               <a:rPr lang="en-US" dirty="0" smtClean="0"/>
               <a:t>App project and Web project are dependent and should be tested together</a:t>
             </a:r>
-            <a:endParaRPr lang="en-US" dirty="0" smtClean="0"/>
           </a:p>
         </p:txBody>
       </p:sp>
@@ -29991,14 +29980,12 @@
               <a:rPr lang="en-US" dirty="0" smtClean="0"/>
               <a:t>Office 365 ALM</a:t>
             </a:r>
-            <a:endParaRPr lang="en-US" dirty="0" smtClean="0"/>
           </a:p>
           <a:p>
             <a:r>
               <a:rPr lang="en-US" dirty="0" smtClean="0"/>
               <a:t>Office 365 Testing</a:t>
             </a:r>
-            <a:endParaRPr lang="en-US" dirty="0" smtClean="0"/>
           </a:p>
         </p:txBody>
       </p:sp>
@@ -36068,6 +36055,15 @@
 </file>
 
 <file path=customXml/item1.xml><?xml version="1.0" encoding="utf-8"?>
+<?mso-contentType ?>
+<FormTemplates xmlns="http://schemas.microsoft.com/sharepoint/v3/contenttype/forms">
+  <Display>DocumentLibraryForm</Display>
+  <Edit>DocumentLibraryForm</Edit>
+  <New>DocumentLibraryForm</New>
+</FormTemplates>
+</file>
+
+<file path=customXml/item2.xml><?xml version="1.0" encoding="utf-8"?>
 <ct:contentTypeSchema xmlns:ct="http://schemas.microsoft.com/office/2006/metadata/contentType" xmlns:ma="http://schemas.microsoft.com/office/2006/metadata/properties/metaAttributes" ct:_="" ma:_="" ma:contentTypeName="Document" ma:contentTypeID="0x010100A2E4C90AA7333249A7DBC8CC6F49919B" ma:contentTypeVersion="1" ma:contentTypeDescription="Create a new document." ma:contentTypeScope="" ma:versionID="e7b09f0f38d7ed30c7da14951e97abcc">
   <xsd:schema xmlns:xsd="http://www.w3.org/2001/XMLSchema" xmlns:xs="http://www.w3.org/2001/XMLSchema" xmlns:p="http://schemas.microsoft.com/office/2006/metadata/properties" xmlns:ns2="5fad15d0-477e-40da-a20d-40d4ca777cbd" targetNamespace="http://schemas.microsoft.com/office/2006/metadata/properties" ma:root="true" ma:fieldsID="0cee24db179c30c5ebec40b677cadf70" ns2:_="">
     <xsd:import namespace="5fad15d0-477e-40da-a20d-40d4ca777cbd"/>
@@ -36207,15 +36203,6 @@
 </ct:contentTypeSchema>
 </file>
 
-<file path=customXml/item2.xml><?xml version="1.0" encoding="utf-8"?>
-<?mso-contentType ?>
-<FormTemplates xmlns="http://schemas.microsoft.com/sharepoint/v3/contenttype/forms">
-  <Display>DocumentLibraryForm</Display>
-  <Edit>DocumentLibraryForm</Edit>
-  <New>DocumentLibraryForm</New>
-</FormTemplates>
-</file>
-
 <file path=customXml/item3.xml><?xml version="1.0" encoding="utf-8"?>
 <p:properties xmlns:p="http://schemas.microsoft.com/office/2006/metadata/properties" xmlns:xsi="http://www.w3.org/2001/XMLSchema-instance" xmlns:pc="http://schemas.microsoft.com/office/infopath/2007/PartnerControls">
   <documentManagement/>
@@ -36223,6 +36210,14 @@
 </file>
 
 <file path=customXml/itemProps1.xml><?xml version="1.0" encoding="utf-8"?>
+<ds:datastoreItem xmlns:ds="http://schemas.openxmlformats.org/officeDocument/2006/customXml" ds:itemID="{E1E0CE18-CA03-4891-9CD8-3448778E3D53}">
+  <ds:schemaRefs>
+    <ds:schemaRef ds:uri="http://schemas.microsoft.com/sharepoint/v3/contenttype/forms"/>
+  </ds:schemaRefs>
+</ds:datastoreItem>
+</file>
+
+<file path=customXml/itemProps2.xml><?xml version="1.0" encoding="utf-8"?>
 <ds:datastoreItem xmlns:ds="http://schemas.openxmlformats.org/officeDocument/2006/customXml" ds:itemID="{F17DCE38-6787-497B-B958-75817420EB1E}">
   <ds:schemaRefs>
     <ds:schemaRef ds:uri="http://schemas.microsoft.com/office/2006/metadata/contentType"/>
@@ -36236,14 +36231,6 @@
     <ds:schemaRef ds:uri="http://purl.org/dc/elements/1.1/"/>
     <ds:schemaRef ds:uri="http://purl.org/dc/terms/"/>
     <ds:schemaRef ds:uri="http://schemas.microsoft.com/internal/obd"/>
-  </ds:schemaRefs>
-</ds:datastoreItem>
-</file>
-
-<file path=customXml/itemProps2.xml><?xml version="1.0" encoding="utf-8"?>
-<ds:datastoreItem xmlns:ds="http://schemas.openxmlformats.org/officeDocument/2006/customXml" ds:itemID="{E1E0CE18-CA03-4891-9CD8-3448778E3D53}">
-  <ds:schemaRefs>
-    <ds:schemaRef ds:uri="http://schemas.microsoft.com/sharepoint/v3/contenttype/forms"/>
   </ds:schemaRefs>
 </ds:datastoreItem>
 </file>
